--- a/01. Java SE/Slides/13. SOLID principles.pptx
+++ b/01. Java SE/Slides/13. SOLID principles.pptx
@@ -5,10 +5,10 @@
     <p:sldMasterId id="2147483648" r:id="rId2"/>
   </p:sldMasterIdLst>
   <p:notesMasterIdLst>
-    <p:notesMasterId r:id="rId25"/>
+    <p:notesMasterId r:id="rId26"/>
   </p:notesMasterIdLst>
   <p:handoutMasterIdLst>
-    <p:handoutMasterId r:id="rId26"/>
+    <p:handoutMasterId r:id="rId27"/>
   </p:handoutMasterIdLst>
   <p:sldIdLst>
     <p:sldId id="273" r:id="rId3"/>
@@ -33,6 +33,7 @@
     <p:sldId id="277" r:id="rId22"/>
     <p:sldId id="291" r:id="rId23"/>
     <p:sldId id="290" r:id="rId24"/>
+    <p:sldId id="278" r:id="rId25"/>
   </p:sldIdLst>
   <p:sldSz cx="12192000" cy="6858000"/>
   <p:notesSz cx="6858000" cy="9144000"/>
@@ -16593,7 +16594,15 @@
             <a:pPr lvl="1"/>
             <a:r>
               <a:rPr lang="en-US" dirty="0" smtClean="0"/>
-              <a:t>Create an image capturing device and alert channels that read and write from the console (System.in and </a:t>
+              <a:t>Create an image capturing device and </a:t>
+            </a:r>
+            <a:r>
+              <a:rPr lang="en-US" dirty="0" smtClean="0"/>
+              <a:t>alarm channels </a:t>
+            </a:r>
+            <a:r>
+              <a:rPr lang="en-US" dirty="0" smtClean="0"/>
+              <a:t>that read and write from the console (System.in and </a:t>
             </a:r>
             <a:r>
               <a:rPr lang="en-US" dirty="0" err="1" smtClean="0"/>
@@ -16635,6 +16644,191 @@
     <p:extLst>
       <p:ext uri="{BB962C8B-B14F-4D97-AF65-F5344CB8AC3E}">
         <p14:creationId xmlns:p14="http://schemas.microsoft.com/office/powerpoint/2010/main" val="2165471090"/>
+      </p:ext>
+    </p:extLst>
+  </p:cSld>
+  <p:clrMapOvr>
+    <a:masterClrMapping/>
+  </p:clrMapOvr>
+  <mc:AlternateContent xmlns:mc="http://schemas.openxmlformats.org/markup-compatibility/2006" xmlns:p14="http://schemas.microsoft.com/office/powerpoint/2010/main">
+    <mc:Choice Requires="p14">
+      <p:transition p14:dur="0"/>
+    </mc:Choice>
+    <mc:Fallback xmlns="">
+      <p:transition/>
+    </mc:Fallback>
+  </mc:AlternateContent>
+</p:sld>
+</file>
+
+<file path=ppt/slides/slide23.xml><?xml version="1.0" encoding="utf-8"?>
+<p:sld xmlns:a="http://schemas.openxmlformats.org/drawingml/2006/main" xmlns:r="http://schemas.openxmlformats.org/officeDocument/2006/relationships" xmlns:p="http://schemas.openxmlformats.org/presentationml/2006/main">
+  <p:cSld>
+    <p:spTree>
+      <p:nvGrpSpPr>
+        <p:cNvPr id="1" name=""/>
+        <p:cNvGrpSpPr/>
+        <p:nvPr/>
+      </p:nvGrpSpPr>
+      <p:grpSpPr>
+        <a:xfrm>
+          <a:off x="0" y="0"/>
+          <a:ext cx="0" cy="0"/>
+          <a:chOff x="0" y="0"/>
+          <a:chExt cx="0" cy="0"/>
+        </a:xfrm>
+      </p:grpSpPr>
+      <p:sp>
+        <p:nvSpPr>
+          <p:cNvPr id="2" name="Title 1"/>
+          <p:cNvSpPr>
+            <a:spLocks noGrp="1"/>
+          </p:cNvSpPr>
+          <p:nvPr>
+            <p:ph type="title"/>
+          </p:nvPr>
+        </p:nvSpPr>
+        <p:spPr/>
+        <p:txBody>
+          <a:bodyPr/>
+          <a:lstStyle/>
+          <a:p>
+            <a:r>
+              <a:rPr lang="en-US" dirty="0" smtClean="0"/>
+              <a:t>Exercise: </a:t>
+            </a:r>
+            <a:r>
+              <a:rPr lang="en-US" dirty="0" err="1" smtClean="0"/>
+              <a:t>WaterHeater</a:t>
+            </a:r>
+            <a:endParaRPr lang="en-US" sz="1800" dirty="0"/>
+          </a:p>
+        </p:txBody>
+      </p:sp>
+      <p:sp>
+        <p:nvSpPr>
+          <p:cNvPr id="3" name="Content Placeholder 2"/>
+          <p:cNvSpPr>
+            <a:spLocks noGrp="1"/>
+          </p:cNvSpPr>
+          <p:nvPr>
+            <p:ph idx="1"/>
+          </p:nvPr>
+        </p:nvSpPr>
+        <p:spPr/>
+        <p:txBody>
+          <a:bodyPr>
+            <a:normAutofit/>
+          </a:bodyPr>
+          <a:lstStyle/>
+          <a:p>
+            <a:pPr marL="0" indent="0">
+              <a:buNone/>
+            </a:pPr>
+            <a:r>
+              <a:rPr lang="en-US" dirty="0" smtClean="0"/>
+              <a:t>A large industry manufacturer has asked you to provide an automated thermoregulatory component that they </a:t>
+            </a:r>
+            <a:r>
+              <a:rPr lang="en-US" dirty="0" smtClean="0"/>
+              <a:t>intent to use in </a:t>
+            </a:r>
+            <a:r>
+              <a:rPr lang="en-US" dirty="0" smtClean="0"/>
+              <a:t>their water heater </a:t>
+            </a:r>
+            <a:r>
+              <a:rPr lang="en-US" dirty="0" smtClean="0"/>
+              <a:t>production line</a:t>
+            </a:r>
+            <a:r>
+              <a:rPr lang="en-US" dirty="0" smtClean="0"/>
+              <a:t>. They’ve already procured the power switch, heater and thermometer components from other vendors.</a:t>
+            </a:r>
+          </a:p>
+          <a:p>
+            <a:pPr marL="0" indent="0">
+              <a:buNone/>
+            </a:pPr>
+            <a:r>
+              <a:rPr lang="en-US" dirty="0" smtClean="0"/>
+              <a:t>The </a:t>
+            </a:r>
+            <a:r>
+              <a:rPr lang="en-US" dirty="0" err="1" smtClean="0"/>
+              <a:t>thermoregulator</a:t>
+            </a:r>
+            <a:r>
+              <a:rPr lang="en-US" dirty="0" smtClean="0"/>
+              <a:t> component should take an input reading from the thermometer every X </a:t>
+            </a:r>
+            <a:r>
+              <a:rPr lang="en-US" dirty="0"/>
+              <a:t>seconds and </a:t>
+            </a:r>
+            <a:r>
+              <a:rPr lang="en-US" dirty="0" smtClean="0"/>
+              <a:t>enable </a:t>
+            </a:r>
+            <a:r>
+              <a:rPr lang="en-US" dirty="0"/>
+              <a:t>or </a:t>
+            </a:r>
+            <a:r>
+              <a:rPr lang="en-US" dirty="0" smtClean="0"/>
+              <a:t>disable the heater in respect to the following rules:</a:t>
+            </a:r>
+            <a:endParaRPr lang="en-US" dirty="0"/>
+          </a:p>
+          <a:p>
+            <a:pPr lvl="1" fontAlgn="ctr"/>
+            <a:r>
+              <a:rPr lang="en-US" sz="2000" dirty="0" smtClean="0"/>
+              <a:t>The heater is disabled if the temperature is above a configured value.</a:t>
+            </a:r>
+          </a:p>
+          <a:p>
+            <a:pPr lvl="1" fontAlgn="ctr"/>
+            <a:r>
+              <a:rPr lang="en-US" sz="2000" dirty="0" smtClean="0"/>
+              <a:t>The heater is enabled if the temperature is below a configured value.</a:t>
+            </a:r>
+          </a:p>
+          <a:p>
+            <a:pPr marL="0" indent="0">
+              <a:buNone/>
+            </a:pPr>
+            <a:r>
+              <a:rPr lang="en-US" smtClean="0"/>
+              <a:t>Group </a:t>
+            </a:r>
+            <a:r>
+              <a:rPr lang="en-US" dirty="0" smtClean="0"/>
+              <a:t>component classes </a:t>
+            </a:r>
+            <a:r>
+              <a:rPr lang="en-US" dirty="0"/>
+              <a:t>and interfaces </a:t>
+            </a:r>
+            <a:r>
+              <a:rPr lang="en-US" dirty="0" smtClean="0"/>
+              <a:t>in </a:t>
+            </a:r>
+            <a:r>
+              <a:rPr lang="en-US" dirty="0"/>
+              <a:t>distinct packages.</a:t>
+            </a:r>
+          </a:p>
+          <a:p>
+            <a:pPr lvl="1"/>
+            <a:endParaRPr lang="en-US" dirty="0"/>
+          </a:p>
+        </p:txBody>
+      </p:sp>
+    </p:spTree>
+    <p:extLst>
+      <p:ext uri="{BB962C8B-B14F-4D97-AF65-F5344CB8AC3E}">
+        <p14:creationId xmlns:p14="http://schemas.microsoft.com/office/powerpoint/2010/main" val="753154964"/>
       </p:ext>
     </p:extLst>
   </p:cSld>

--- a/01. Java SE/Slides/13. SOLID principles.pptx
+++ b/01. Java SE/Slides/13. SOLID principles.pptx
@@ -16594,15 +16594,35 @@
             <a:pPr lvl="1"/>
             <a:r>
               <a:rPr lang="en-US" dirty="0" smtClean="0"/>
-              <a:t>Create an image capturing device and </a:t>
+              <a:t>Create an image capturing </a:t>
+            </a:r>
+            <a:r>
+              <a:rPr lang="en-US" smtClean="0"/>
+              <a:t>device </a:t>
+            </a:r>
+            <a:r>
+              <a:rPr lang="en-US" smtClean="0"/>
+              <a:t>that </a:t>
             </a:r>
             <a:r>
               <a:rPr lang="en-US" dirty="0" smtClean="0"/>
-              <a:t>alarm channels </a:t>
+              <a:t>reads from the console (System.in) and </a:t>
             </a:r>
             <a:r>
               <a:rPr lang="en-US" dirty="0" smtClean="0"/>
-              <a:t>that read and write from the console (System.in and </a:t>
+              <a:t>alarm </a:t>
+            </a:r>
+            <a:r>
+              <a:rPr lang="en-US" dirty="0" smtClean="0"/>
+              <a:t>channel that writes to the </a:t>
+            </a:r>
+            <a:r>
+              <a:rPr lang="en-US" dirty="0" smtClean="0"/>
+              <a:t>console </a:t>
+            </a:r>
+            <a:r>
+              <a:rPr lang="en-US" dirty="0" smtClean="0"/>
+              <a:t>(</a:t>
             </a:r>
             <a:r>
               <a:rPr lang="en-US" dirty="0" err="1" smtClean="0"/>
@@ -16727,23 +16747,7 @@
             </a:pPr>
             <a:r>
               <a:rPr lang="en-US" dirty="0" smtClean="0"/>
-              <a:t>A large industry manufacturer has asked you to provide an automated thermoregulatory component that they </a:t>
-            </a:r>
-            <a:r>
-              <a:rPr lang="en-US" dirty="0" smtClean="0"/>
-              <a:t>intent to use in </a:t>
-            </a:r>
-            <a:r>
-              <a:rPr lang="en-US" dirty="0" smtClean="0"/>
-              <a:t>their water heater </a:t>
-            </a:r>
-            <a:r>
-              <a:rPr lang="en-US" dirty="0" smtClean="0"/>
-              <a:t>production line</a:t>
-            </a:r>
-            <a:r>
-              <a:rPr lang="en-US" dirty="0" smtClean="0"/>
-              <a:t>. They’ve already procured the power switch, heater and thermometer components from other vendors.</a:t>
+              <a:t>A large industry manufacturer has asked you to provide an automated thermoregulatory component that they intent to use in their water heater production line. They’ve already procured the power switch, heater and thermometer components from other vendors.</a:t>
             </a:r>
           </a:p>
           <a:p>

--- a/01. Java SE/Slides/13. SOLID principles.pptx
+++ b/01. Java SE/Slides/13. SOLID principles.pptx
@@ -236,7 +236,7 @@
           <a:p>
             <a:fld id="{59041DB8-B66F-4DC8-A96E-33677E0F90FF}" type="datetimeFigureOut">
               <a:rPr lang="en-US" smtClean="0"/>
-              <a:t>3/16/2015</a:t>
+              <a:t>3/17/2015</a:t>
             </a:fld>
             <a:endParaRPr lang="en-US"/>
           </a:p>
@@ -401,7 +401,7 @@
           <a:p>
             <a:fld id="{DEB49C4A-65AC-492D-9701-81B46C3AD0E4}" type="datetimeFigureOut">
               <a:rPr lang="en-US" smtClean="0"/>
-              <a:t>3/16/2015</a:t>
+              <a:t>3/17/2015</a:t>
             </a:fld>
             <a:endParaRPr lang="en-US"/>
           </a:p>
@@ -4923,7 +4923,7 @@
           <a:p>
             <a:fld id="{384A29A4-78C8-47AB-BA06-22CB45938951}" type="datetime1">
               <a:rPr lang="en-US" smtClean="0"/>
-              <a:t>3/16/2015</a:t>
+              <a:t>3/17/2015</a:t>
             </a:fld>
             <a:endParaRPr lang="en-US"/>
           </a:p>
@@ -5118,7 +5118,7 @@
           <a:p>
             <a:fld id="{E1ED4ACF-2D82-46F2-A8E9-23963AA34E86}" type="datetime1">
               <a:rPr lang="en-US" smtClean="0"/>
-              <a:t>3/16/2015</a:t>
+              <a:t>3/17/2015</a:t>
             </a:fld>
             <a:endParaRPr lang="en-US"/>
           </a:p>
@@ -5311,7 +5311,7 @@
           <a:p>
             <a:fld id="{AE374B5B-21A0-4192-BF4C-38187F1A68D8}" type="datetime1">
               <a:rPr lang="en-US" smtClean="0"/>
-              <a:t>3/16/2015</a:t>
+              <a:t>3/17/2015</a:t>
             </a:fld>
             <a:endParaRPr lang="en-US"/>
           </a:p>
@@ -5502,7 +5502,7 @@
           <a:p>
             <a:fld id="{AE374B5B-21A0-4192-BF4C-38187F1A68D8}" type="datetime1">
               <a:rPr lang="en-US" smtClean="0"/>
-              <a:t>3/16/2015</a:t>
+              <a:t>3/17/2015</a:t>
             </a:fld>
             <a:endParaRPr lang="en-US"/>
           </a:p>
@@ -7800,7 +7800,7 @@
           <a:p>
             <a:fld id="{33B5CF7C-B333-48E1-A4A6-83A3C8B73AC0}" type="datetime1">
               <a:rPr lang="en-US" smtClean="0"/>
-              <a:t>3/16/2015</a:t>
+              <a:t>3/17/2015</a:t>
             </a:fld>
             <a:endParaRPr lang="en-US"/>
           </a:p>
@@ -8255,7 +8255,7 @@
           <a:p>
             <a:fld id="{AE320762-5CBF-4210-AB54-376B091119F8}" type="datetime1">
               <a:rPr lang="en-US" smtClean="0"/>
-              <a:t>3/16/2015</a:t>
+              <a:t>3/17/2015</a:t>
             </a:fld>
             <a:endParaRPr lang="en-US"/>
           </a:p>
@@ -8388,7 +8388,7 @@
           <a:p>
             <a:fld id="{7F0DB371-BF5F-4058-A212-1A908E4D2674}" type="datetime1">
               <a:rPr lang="en-US" smtClean="0"/>
-              <a:t>3/16/2015</a:t>
+              <a:t>3/17/2015</a:t>
             </a:fld>
             <a:endParaRPr lang="en-US"/>
           </a:p>
@@ -10321,7 +10321,7 @@
           <a:p>
             <a:fld id="{60A4083B-90AA-48CF-BAD5-00AA24D7F288}" type="datetime1">
               <a:rPr lang="en-US" smtClean="0"/>
-              <a:t>3/16/2015</a:t>
+              <a:t>3/17/2015</a:t>
             </a:fld>
             <a:endParaRPr lang="en-US"/>
           </a:p>
@@ -14576,7 +14576,7 @@
           <a:p>
             <a:fld id="{B51B2453-8663-4C69-AF73-9FD7B1DEC5D0}" type="datetime1">
               <a:rPr lang="en-US" smtClean="0"/>
-              <a:t>3/16/2015</a:t>
+              <a:t>3/17/2015</a:t>
             </a:fld>
             <a:endParaRPr lang="en-US"/>
           </a:p>
@@ -16594,35 +16594,7 @@
             <a:pPr lvl="1"/>
             <a:r>
               <a:rPr lang="en-US" dirty="0" smtClean="0"/>
-              <a:t>Create an image capturing </a:t>
-            </a:r>
-            <a:r>
-              <a:rPr lang="en-US" smtClean="0"/>
-              <a:t>device </a:t>
-            </a:r>
-            <a:r>
-              <a:rPr lang="en-US" smtClean="0"/>
-              <a:t>that </a:t>
-            </a:r>
-            <a:r>
-              <a:rPr lang="en-US" dirty="0" smtClean="0"/>
-              <a:t>reads from the console (System.in) and </a:t>
-            </a:r>
-            <a:r>
-              <a:rPr lang="en-US" dirty="0" smtClean="0"/>
-              <a:t>alarm </a:t>
-            </a:r>
-            <a:r>
-              <a:rPr lang="en-US" dirty="0" smtClean="0"/>
-              <a:t>channel that writes to the </a:t>
-            </a:r>
-            <a:r>
-              <a:rPr lang="en-US" dirty="0" smtClean="0"/>
-              <a:t>console </a:t>
-            </a:r>
-            <a:r>
-              <a:rPr lang="en-US" dirty="0" smtClean="0"/>
-              <a:t>(</a:t>
+              <a:t>Create an image capturing device that reads from the console (System.in) and alarm channel that writes to the console (</a:t>
             </a:r>
             <a:r>
               <a:rPr lang="en-US" dirty="0" err="1" smtClean="0"/>
@@ -16738,7 +16710,7 @@
         <p:spPr/>
         <p:txBody>
           <a:bodyPr>
-            <a:normAutofit/>
+            <a:normAutofit fontScale="92500" lnSpcReduction="10000"/>
           </a:bodyPr>
           <a:lstStyle/>
           <a:p>
@@ -16747,8 +16719,45 @@
             </a:pPr>
             <a:r>
               <a:rPr lang="en-US" dirty="0" smtClean="0"/>
-              <a:t>A large industry manufacturer has asked you to provide an automated thermoregulatory component that they intent to use in their water heater production line. They’ve already procured the power switch, heater and thermometer components from other vendors.</a:t>
-            </a:r>
+              <a:t>A large industry manufacturer </a:t>
+            </a:r>
+            <a:r>
+              <a:rPr lang="en-US" dirty="0" err="1" smtClean="0"/>
+              <a:t>Ventoelectrics</a:t>
+            </a:r>
+            <a:r>
+              <a:rPr lang="en-US" dirty="0" smtClean="0"/>
+              <a:t> has asked your company ACME to provide </a:t>
+            </a:r>
+            <a:r>
+              <a:rPr lang="en-US" dirty="0" smtClean="0"/>
+              <a:t>two thermoregulatory components, standard and efficient, </a:t>
+            </a:r>
+            <a:r>
+              <a:rPr lang="en-US" dirty="0" smtClean="0"/>
+              <a:t>that they intent to use in their water heater production line. </a:t>
+            </a:r>
+            <a:r>
+              <a:rPr lang="en-US" dirty="0" smtClean="0"/>
+              <a:t>They hav</a:t>
+            </a:r>
+            <a:r>
+              <a:rPr lang="en-US" dirty="0" smtClean="0"/>
+              <a:t>e their own production of the other </a:t>
+            </a:r>
+            <a:r>
+              <a:rPr lang="en-US" dirty="0" smtClean="0"/>
+              <a:t>components such as the power </a:t>
+            </a:r>
+            <a:r>
+              <a:rPr lang="en-US" dirty="0" smtClean="0"/>
+              <a:t>switch, heater and </a:t>
+            </a:r>
+            <a:r>
+              <a:rPr lang="en-US" dirty="0" smtClean="0"/>
+              <a:t>thermometer.</a:t>
+            </a:r>
+            <a:endParaRPr lang="en-US" dirty="0" smtClean="0"/>
           </a:p>
           <a:p>
             <a:pPr marL="0" indent="0">
@@ -16759,24 +16768,44 @@
               <a:t>The </a:t>
             </a:r>
             <a:r>
+              <a:rPr lang="en-US" i="1" dirty="0" smtClean="0"/>
+              <a:t>standard </a:t>
+            </a:r>
+            <a:r>
               <a:rPr lang="en-US" dirty="0" err="1" smtClean="0"/>
               <a:t>thermoregulator</a:t>
             </a:r>
             <a:r>
               <a:rPr lang="en-US" dirty="0" smtClean="0"/>
-              <a:t> component should take an input reading from the thermometer every X </a:t>
+              <a:t> should </a:t>
+            </a:r>
+            <a:r>
+              <a:rPr lang="en-US" dirty="0" smtClean="0"/>
+              <a:t>take an input reading from the thermometer every </a:t>
+            </a:r>
+            <a:r>
+              <a:rPr lang="en-US" dirty="0" smtClean="0"/>
+              <a:t>3 </a:t>
             </a:r>
             <a:r>
               <a:rPr lang="en-US" dirty="0"/>
-              <a:t>seconds and </a:t>
+              <a:t>seconds </a:t>
             </a:r>
             <a:r>
               <a:rPr lang="en-US" dirty="0" smtClean="0"/>
-              <a:t>enable </a:t>
-            </a:r>
-            <a:r>
-              <a:rPr lang="en-US" dirty="0"/>
-              <a:t>or </a:t>
+              <a:t>while the </a:t>
+            </a:r>
+            <a:r>
+              <a:rPr lang="en-US" i="1" dirty="0" smtClean="0"/>
+              <a:t>efficient </a:t>
+            </a:r>
+            <a:r>
+              <a:rPr lang="en-US" dirty="0" smtClean="0"/>
+              <a:t>should do that every 1 second. Both </a:t>
+            </a:r>
+            <a:r>
+              <a:rPr lang="en-US" smtClean="0"/>
+              <a:t>enable and </a:t>
             </a:r>
             <a:r>
               <a:rPr lang="en-US" dirty="0" smtClean="0"/>
@@ -16788,14 +16817,50 @@
             <a:pPr lvl="1" fontAlgn="ctr"/>
             <a:r>
               <a:rPr lang="en-US" sz="2000" dirty="0" smtClean="0"/>
-              <a:t>The heater is disabled if the temperature is above a configured value.</a:t>
+              <a:t>The heater </a:t>
+            </a:r>
+            <a:r>
+              <a:rPr lang="en-US" sz="2000" dirty="0" smtClean="0"/>
+              <a:t>gets disabled </a:t>
+            </a:r>
+            <a:r>
+              <a:rPr lang="en-US" sz="2000" dirty="0" smtClean="0"/>
+              <a:t>if the temperature </a:t>
+            </a:r>
+            <a:r>
+              <a:rPr lang="en-US" sz="2000" dirty="0" smtClean="0"/>
+              <a:t>raises </a:t>
+            </a:r>
+            <a:r>
+              <a:rPr lang="en-US" sz="2000" dirty="0" smtClean="0"/>
+              <a:t>above </a:t>
+            </a:r>
+            <a:r>
+              <a:rPr lang="en-US" sz="2000" dirty="0" smtClean="0"/>
+              <a:t>a configured value.</a:t>
             </a:r>
           </a:p>
           <a:p>
             <a:pPr lvl="1" fontAlgn="ctr"/>
             <a:r>
               <a:rPr lang="en-US" sz="2000" dirty="0" smtClean="0"/>
-              <a:t>The heater is enabled if the temperature is below a configured value.</a:t>
+              <a:t>The heater </a:t>
+            </a:r>
+            <a:r>
+              <a:rPr lang="en-US" sz="2000" dirty="0" smtClean="0"/>
+              <a:t>gets enabled </a:t>
+            </a:r>
+            <a:r>
+              <a:rPr lang="en-US" sz="2000" dirty="0" smtClean="0"/>
+              <a:t>if the temperature </a:t>
+            </a:r>
+            <a:r>
+              <a:rPr lang="en-US" sz="2000" dirty="0" smtClean="0"/>
+              <a:t>drops below </a:t>
+            </a:r>
+            <a:r>
+              <a:rPr lang="en-US" sz="2000" dirty="0" smtClean="0"/>
+              <a:t>a configured value.</a:t>
             </a:r>
           </a:p>
           <a:p>
@@ -16803,12 +16868,8 @@
               <a:buNone/>
             </a:pPr>
             <a:r>
-              <a:rPr lang="en-US" smtClean="0"/>
-              <a:t>Group </a:t>
-            </a:r>
-            <a:r>
               <a:rPr lang="en-US" dirty="0" smtClean="0"/>
-              <a:t>component classes </a:t>
+              <a:t>Group component classes </a:t>
             </a:r>
             <a:r>
               <a:rPr lang="en-US" dirty="0"/>
@@ -16820,8 +16881,22 @@
             </a:r>
             <a:r>
               <a:rPr lang="en-US" dirty="0"/>
-              <a:t>distinct packages.</a:t>
-            </a:r>
+              <a:t>distinct packages</a:t>
+            </a:r>
+            <a:r>
+              <a:rPr lang="en-US" dirty="0" smtClean="0"/>
+              <a:t>.</a:t>
+            </a:r>
+          </a:p>
+          <a:p>
+            <a:pPr marL="0" indent="0">
+              <a:buNone/>
+            </a:pPr>
+            <a:r>
+              <a:rPr lang="en-US" dirty="0" smtClean="0"/>
+              <a:t>Make sure you’re able to offer your thermometer product line to other vendors in the future.</a:t>
+            </a:r>
+            <a:endParaRPr lang="en-US" dirty="0"/>
           </a:p>
           <a:p>
             <a:pPr lvl="1"/>
